--- a/Images/langchain_thumbnail.pptx
+++ b/Images/langchain_thumbnail.pptx
@@ -3783,7 +3783,9 @@
             <a:avLst/>
           </a:prstGeom>
           <a:solidFill>
-            <a:schemeClr val="bg1"/>
+            <a:srgbClr val="FFFFFF">
+              <a:alpha val="0"/>
+            </a:srgbClr>
           </a:solidFill>
           <a:ln>
             <a:noFill/>
@@ -3814,12 +3816,46 @@
           </a:p>
         </p:txBody>
       </p:sp>
+      <p:sp>
+        <p:nvSpPr>
+          <p:cNvPr id="3" name="TextBox 2">
+            <a:extLst>
+              <a:ext uri="{FF2B5EF4-FFF2-40B4-BE49-F238E27FC236}">
+                <a16:creationId xmlns:a16="http://schemas.microsoft.com/office/drawing/2014/main" id="{6E60BED9-39BA-B475-7E7B-F18A4170075B}"/>
+              </a:ext>
+            </a:extLst>
+          </p:cNvPr>
+          <p:cNvSpPr txBox="1"/>
+          <p:nvPr/>
+        </p:nvSpPr>
+        <p:spPr>
+          <a:xfrm>
+            <a:off x="3040655" y="1972019"/>
+            <a:ext cx="6555037" cy="3426245"/>
+          </a:xfrm>
+          <a:prstGeom prst="rect">
+            <a:avLst/>
+          </a:prstGeom>
+          <a:solidFill>
+            <a:srgbClr val="FFFFFF"/>
+          </a:solidFill>
+        </p:spPr>
+        <p:txBody>
+          <a:bodyPr wrap="square" rtlCol="0">
+            <a:spAutoFit/>
+          </a:bodyPr>
+          <a:lstStyle/>
+          <a:p>
+            <a:endParaRPr lang="en-GB" dirty="0"/>
+          </a:p>
+        </p:txBody>
+      </p:sp>
       <p:pic>
         <p:nvPicPr>
-          <p:cNvPr id="5" name="Graphic 4">
-            <a:extLst>
-              <a:ext uri="{FF2B5EF4-FFF2-40B4-BE49-F238E27FC236}">
-                <a16:creationId xmlns:a16="http://schemas.microsoft.com/office/drawing/2014/main" id="{F15CF5C5-DB28-001E-2C90-3A4D360FED5D}"/>
+          <p:cNvPr id="4" name="Graphic 3">
+            <a:extLst>
+              <a:ext uri="{FF2B5EF4-FFF2-40B4-BE49-F238E27FC236}">
+                <a16:creationId xmlns:a16="http://schemas.microsoft.com/office/drawing/2014/main" id="{E15C1B8E-3661-42A8-A1BA-3921F7AA9777}"/>
               </a:ext>
             </a:extLst>
           </p:cNvPr>
@@ -3836,14 +3872,15 @@
               </a:ext>
             </a:extLst>
           </a:blip>
+          <a:srcRect t="12485" b="14896"/>
           <a:stretch>
             <a:fillRect/>
           </a:stretch>
         </p:blipFill>
         <p:spPr>
           <a:xfrm>
-            <a:off x="3242057" y="575057"/>
-            <a:ext cx="5707885" cy="5707885"/>
+            <a:off x="1536853" y="220340"/>
+            <a:ext cx="9140328" cy="6637660"/>
           </a:xfrm>
           <a:prstGeom prst="rect">
             <a:avLst/>
